--- a/02c Crud.pptx
+++ b/02c Crud.pptx
@@ -2940,6 +2940,60 @@
           </a:prstGeom>
         </p:spPr>
       </p:pic>
+      <p:sp>
+        <p:nvSpPr>
+          <p:cNvPr id="2" name="Rectangle 1">
+            <a:extLst>
+              <a:ext uri="{FF2B5EF4-FFF2-40B4-BE49-F238E27FC236}">
+                <a16:creationId xmlns:a16="http://schemas.microsoft.com/office/drawing/2014/main" id="{A9841987-88A8-CB4D-803F-E3E1DF14FE32}"/>
+              </a:ext>
+            </a:extLst>
+          </p:cNvPr>
+          <p:cNvSpPr/>
+          <p:nvPr/>
+        </p:nvSpPr>
+        <p:spPr>
+          <a:xfrm>
+            <a:off x="43314" y="4268804"/>
+            <a:ext cx="3768290" cy="611204"/>
+          </a:xfrm>
+          <a:prstGeom prst="rect">
+            <a:avLst/>
+          </a:prstGeom>
+          <a:solidFill>
+            <a:srgbClr val="0C0C0C"/>
+          </a:solidFill>
+          <a:ln>
+            <a:solidFill>
+              <a:srgbClr val="0C0C0C"/>
+            </a:solidFill>
+          </a:ln>
+        </p:spPr>
+        <p:style>
+          <a:lnRef idx="2">
+            <a:schemeClr val="accent1">
+              <a:shade val="50000"/>
+            </a:schemeClr>
+          </a:lnRef>
+          <a:fillRef idx="1">
+            <a:schemeClr val="accent1"/>
+          </a:fillRef>
+          <a:effectRef idx="0">
+            <a:schemeClr val="accent1"/>
+          </a:effectRef>
+          <a:fontRef idx="minor">
+            <a:schemeClr val="lt1"/>
+          </a:fontRef>
+        </p:style>
+        <p:txBody>
+          <a:bodyPr rtlCol="0" anchor="ctr"/>
+          <a:lstStyle/>
+          <a:p>
+            <a:pPr algn="ctr"/>
+            <a:endParaRPr lang="en-US"/>
+          </a:p>
+        </p:txBody>
+      </p:sp>
     </p:spTree>
     <p:extLst>
       <p:ext uri="{BB962C8B-B14F-4D97-AF65-F5344CB8AC3E}">
@@ -2950,13 +3004,13 @@
   <p:clrMapOvr>
     <a:masterClrMapping/>
   </p:clrMapOvr>
-  <mc:AlternateContent xmlns:mc="http://schemas.openxmlformats.org/markup-compatibility/2006">
-    <mc:Choice xmlns:p14="http://schemas.microsoft.com/office/powerpoint/2010/main" Requires="p14">
+  <mc:AlternateContent xmlns:mc="http://schemas.openxmlformats.org/markup-compatibility/2006" xmlns:p14="http://schemas.microsoft.com/office/powerpoint/2010/main">
+    <mc:Choice Requires="p14">
       <p:transition spd="med" p14:dur="700">
         <p:fade/>
       </p:transition>
     </mc:Choice>
-    <mc:Fallback>
+    <mc:Fallback xmlns="">
       <p:transition spd="med">
         <p:fade/>
       </p:transition>
@@ -3012,6 +3066,60 @@
           </a:prstGeom>
         </p:spPr>
       </p:pic>
+      <p:sp>
+        <p:nvSpPr>
+          <p:cNvPr id="4" name="Rectangle 3">
+            <a:extLst>
+              <a:ext uri="{FF2B5EF4-FFF2-40B4-BE49-F238E27FC236}">
+                <a16:creationId xmlns:a16="http://schemas.microsoft.com/office/drawing/2014/main" id="{FD7D7258-3024-ED4D-A480-94EC58EDFBC4}"/>
+              </a:ext>
+            </a:extLst>
+          </p:cNvPr>
+          <p:cNvSpPr/>
+          <p:nvPr/>
+        </p:nvSpPr>
+        <p:spPr>
+          <a:xfrm>
+            <a:off x="43314" y="4268804"/>
+            <a:ext cx="3768290" cy="611204"/>
+          </a:xfrm>
+          <a:prstGeom prst="rect">
+            <a:avLst/>
+          </a:prstGeom>
+          <a:solidFill>
+            <a:srgbClr val="0C0C0C"/>
+          </a:solidFill>
+          <a:ln>
+            <a:solidFill>
+              <a:srgbClr val="0C0C0C"/>
+            </a:solidFill>
+          </a:ln>
+        </p:spPr>
+        <p:style>
+          <a:lnRef idx="2">
+            <a:schemeClr val="accent1">
+              <a:shade val="50000"/>
+            </a:schemeClr>
+          </a:lnRef>
+          <a:fillRef idx="1">
+            <a:schemeClr val="accent1"/>
+          </a:fillRef>
+          <a:effectRef idx="0">
+            <a:schemeClr val="accent1"/>
+          </a:effectRef>
+          <a:fontRef idx="minor">
+            <a:schemeClr val="lt1"/>
+          </a:fontRef>
+        </p:style>
+        <p:txBody>
+          <a:bodyPr rtlCol="0" anchor="ctr"/>
+          <a:lstStyle/>
+          <a:p>
+            <a:pPr algn="ctr"/>
+            <a:endParaRPr lang="en-US"/>
+          </a:p>
+        </p:txBody>
+      </p:sp>
     </p:spTree>
     <p:extLst>
       <p:ext uri="{BB962C8B-B14F-4D97-AF65-F5344CB8AC3E}">
@@ -3022,13 +3130,13 @@
   <p:clrMapOvr>
     <a:masterClrMapping/>
   </p:clrMapOvr>
-  <mc:AlternateContent xmlns:mc="http://schemas.openxmlformats.org/markup-compatibility/2006">
-    <mc:Choice xmlns:p14="http://schemas.microsoft.com/office/powerpoint/2010/main" Requires="p14">
+  <mc:AlternateContent xmlns:mc="http://schemas.openxmlformats.org/markup-compatibility/2006" xmlns:p14="http://schemas.microsoft.com/office/powerpoint/2010/main">
+    <mc:Choice Requires="p14">
       <p:transition spd="med" p14:dur="700">
         <p:fade/>
       </p:transition>
     </mc:Choice>
-    <mc:Fallback>
+    <mc:Fallback xmlns="">
       <p:transition spd="med">
         <p:fade/>
       </p:transition>
@@ -3084,6 +3192,53 @@
           </a:prstGeom>
         </p:spPr>
       </p:pic>
+      <p:sp>
+        <p:nvSpPr>
+          <p:cNvPr id="3" name="Rectangle 2">
+            <a:extLst>
+              <a:ext uri="{FF2B5EF4-FFF2-40B4-BE49-F238E27FC236}">
+                <a16:creationId xmlns:a16="http://schemas.microsoft.com/office/drawing/2014/main" id="{E6EF2DAD-B748-514D-857D-513E658B59ED}"/>
+              </a:ext>
+            </a:extLst>
+          </p:cNvPr>
+          <p:cNvSpPr/>
+          <p:nvPr/>
+        </p:nvSpPr>
+        <p:spPr>
+          <a:xfrm>
+            <a:off x="4239689" y="1982148"/>
+            <a:ext cx="499088" cy="254969"/>
+          </a:xfrm>
+          <a:prstGeom prst="rect">
+            <a:avLst/>
+          </a:prstGeom>
+          <a:noFill/>
+        </p:spPr>
+        <p:style>
+          <a:lnRef idx="2">
+            <a:schemeClr val="accent1">
+              <a:shade val="50000"/>
+            </a:schemeClr>
+          </a:lnRef>
+          <a:fillRef idx="1">
+            <a:schemeClr val="accent1"/>
+          </a:fillRef>
+          <a:effectRef idx="0">
+            <a:schemeClr val="accent1"/>
+          </a:effectRef>
+          <a:fontRef idx="minor">
+            <a:schemeClr val="lt1"/>
+          </a:fontRef>
+        </p:style>
+        <p:txBody>
+          <a:bodyPr rtlCol="0" anchor="ctr"/>
+          <a:lstStyle/>
+          <a:p>
+            <a:pPr algn="ctr"/>
+            <a:endParaRPr lang="en-US"/>
+          </a:p>
+        </p:txBody>
+      </p:sp>
     </p:spTree>
     <p:extLst>
       <p:ext uri="{BB962C8B-B14F-4D97-AF65-F5344CB8AC3E}">
@@ -3094,18 +3249,96 @@
   <p:clrMapOvr>
     <a:masterClrMapping/>
   </p:clrMapOvr>
-  <mc:AlternateContent xmlns:mc="http://schemas.openxmlformats.org/markup-compatibility/2006">
-    <mc:Choice xmlns:p14="http://schemas.microsoft.com/office/powerpoint/2010/main" Requires="p14">
+  <mc:AlternateContent xmlns:mc="http://schemas.openxmlformats.org/markup-compatibility/2006" xmlns:p14="http://schemas.microsoft.com/office/powerpoint/2010/main">
+    <mc:Choice Requires="p14">
       <p:transition spd="med" p14:dur="700">
         <p:fade/>
       </p:transition>
     </mc:Choice>
-    <mc:Fallback>
+    <mc:Fallback xmlns="">
       <p:transition spd="med">
         <p:fade/>
       </p:transition>
     </mc:Fallback>
   </mc:AlternateContent>
+  <p:timing>
+    <p:tnLst>
+      <p:par>
+        <p:cTn id="1" dur="indefinite" restart="never" nodeType="tmRoot">
+          <p:childTnLst>
+            <p:seq concurrent="1" nextAc="seek">
+              <p:cTn id="2" dur="indefinite" nodeType="mainSeq">
+                <p:childTnLst>
+                  <p:par>
+                    <p:cTn id="3" fill="hold">
+                      <p:stCondLst>
+                        <p:cond delay="indefinite"/>
+                      </p:stCondLst>
+                      <p:childTnLst>
+                        <p:par>
+                          <p:cTn id="4" fill="hold">
+                            <p:stCondLst>
+                              <p:cond delay="0"/>
+                            </p:stCondLst>
+                            <p:childTnLst>
+                              <p:par>
+                                <p:cTn id="5" presetID="1" presetClass="entr" presetSubtype="0" fill="hold" grpId="0" nodeType="clickEffect">
+                                  <p:stCondLst>
+                                    <p:cond delay="0"/>
+                                  </p:stCondLst>
+                                  <p:childTnLst>
+                                    <p:set>
+                                      <p:cBhvr>
+                                        <p:cTn id="6" dur="1" fill="hold">
+                                          <p:stCondLst>
+                                            <p:cond delay="0"/>
+                                          </p:stCondLst>
+                                        </p:cTn>
+                                        <p:tgtEl>
+                                          <p:spTgt spid="3"/>
+                                        </p:tgtEl>
+                                        <p:attrNameLst>
+                                          <p:attrName>style.visibility</p:attrName>
+                                        </p:attrNameLst>
+                                      </p:cBhvr>
+                                      <p:to>
+                                        <p:strVal val="visible"/>
+                                      </p:to>
+                                    </p:set>
+                                  </p:childTnLst>
+                                </p:cTn>
+                              </p:par>
+                            </p:childTnLst>
+                          </p:cTn>
+                        </p:par>
+                      </p:childTnLst>
+                    </p:cTn>
+                  </p:par>
+                </p:childTnLst>
+              </p:cTn>
+              <p:prevCondLst>
+                <p:cond evt="onPrev" delay="0">
+                  <p:tgtEl>
+                    <p:sldTgt/>
+                  </p:tgtEl>
+                </p:cond>
+              </p:prevCondLst>
+              <p:nextCondLst>
+                <p:cond evt="onNext" delay="0">
+                  <p:tgtEl>
+                    <p:sldTgt/>
+                  </p:tgtEl>
+                </p:cond>
+              </p:nextCondLst>
+            </p:seq>
+          </p:childTnLst>
+        </p:cTn>
+      </p:par>
+    </p:tnLst>
+    <p:bldLst>
+      <p:bldP spid="3" grpId="0" animBg="1"/>
+    </p:bldLst>
+  </p:timing>
 </p:sld>
 </file>
 
@@ -3166,13 +3399,13 @@
   <p:clrMapOvr>
     <a:masterClrMapping/>
   </p:clrMapOvr>
-  <mc:AlternateContent xmlns:mc="http://schemas.openxmlformats.org/markup-compatibility/2006">
-    <mc:Choice xmlns:p14="http://schemas.microsoft.com/office/powerpoint/2010/main" Requires="p14">
+  <mc:AlternateContent xmlns:mc="http://schemas.openxmlformats.org/markup-compatibility/2006" xmlns:p14="http://schemas.microsoft.com/office/powerpoint/2010/main">
+    <mc:Choice Requires="p14">
       <p:transition spd="med" p14:dur="700">
         <p:fade/>
       </p:transition>
     </mc:Choice>
-    <mc:Fallback>
+    <mc:Fallback xmlns="">
       <p:transition spd="med">
         <p:fade/>
       </p:transition>
@@ -3238,13 +3471,13 @@
   <p:clrMapOvr>
     <a:masterClrMapping/>
   </p:clrMapOvr>
-  <mc:AlternateContent xmlns:mc="http://schemas.openxmlformats.org/markup-compatibility/2006">
-    <mc:Choice xmlns:p14="http://schemas.microsoft.com/office/powerpoint/2010/main" Requires="p14">
+  <mc:AlternateContent xmlns:mc="http://schemas.openxmlformats.org/markup-compatibility/2006" xmlns:p14="http://schemas.microsoft.com/office/powerpoint/2010/main">
+    <mc:Choice Requires="p14">
       <p:transition spd="med" p14:dur="700">
         <p:fade/>
       </p:transition>
     </mc:Choice>
-    <mc:Fallback>
+    <mc:Fallback xmlns="">
       <p:transition spd="med">
         <p:fade/>
       </p:transition>
@@ -3310,13 +3543,13 @@
   <p:clrMapOvr>
     <a:masterClrMapping/>
   </p:clrMapOvr>
-  <mc:AlternateContent xmlns:mc="http://schemas.openxmlformats.org/markup-compatibility/2006">
-    <mc:Choice xmlns:p14="http://schemas.microsoft.com/office/powerpoint/2010/main" Requires="p14">
+  <mc:AlternateContent xmlns:mc="http://schemas.openxmlformats.org/markup-compatibility/2006" xmlns:p14="http://schemas.microsoft.com/office/powerpoint/2010/main">
+    <mc:Choice Requires="p14">
       <p:transition spd="med" p14:dur="700">
         <p:fade/>
       </p:transition>
     </mc:Choice>
-    <mc:Fallback>
+    <mc:Fallback xmlns="">
       <p:transition spd="med">
         <p:fade/>
       </p:transition>
@@ -3372,6 +3605,53 @@
           </a:prstGeom>
         </p:spPr>
       </p:pic>
+      <p:sp>
+        <p:nvSpPr>
+          <p:cNvPr id="4" name="Rectangle 3">
+            <a:extLst>
+              <a:ext uri="{FF2B5EF4-FFF2-40B4-BE49-F238E27FC236}">
+                <a16:creationId xmlns:a16="http://schemas.microsoft.com/office/drawing/2014/main" id="{010657CB-F173-7440-B220-2E3013A3B3E5}"/>
+              </a:ext>
+            </a:extLst>
+          </p:cNvPr>
+          <p:cNvSpPr/>
+          <p:nvPr/>
+        </p:nvSpPr>
+        <p:spPr>
+          <a:xfrm>
+            <a:off x="4210934" y="3011567"/>
+            <a:ext cx="1522756" cy="254969"/>
+          </a:xfrm>
+          <a:prstGeom prst="rect">
+            <a:avLst/>
+          </a:prstGeom>
+          <a:noFill/>
+        </p:spPr>
+        <p:style>
+          <a:lnRef idx="2">
+            <a:schemeClr val="accent1">
+              <a:shade val="50000"/>
+            </a:schemeClr>
+          </a:lnRef>
+          <a:fillRef idx="1">
+            <a:schemeClr val="accent1"/>
+          </a:fillRef>
+          <a:effectRef idx="0">
+            <a:schemeClr val="accent1"/>
+          </a:effectRef>
+          <a:fontRef idx="minor">
+            <a:schemeClr val="lt1"/>
+          </a:fontRef>
+        </p:style>
+        <p:txBody>
+          <a:bodyPr rtlCol="0" anchor="ctr"/>
+          <a:lstStyle/>
+          <a:p>
+            <a:pPr algn="ctr"/>
+            <a:endParaRPr lang="en-US"/>
+          </a:p>
+        </p:txBody>
+      </p:sp>
     </p:spTree>
     <p:extLst>
       <p:ext uri="{BB962C8B-B14F-4D97-AF65-F5344CB8AC3E}">
@@ -3382,18 +3662,96 @@
   <p:clrMapOvr>
     <a:masterClrMapping/>
   </p:clrMapOvr>
-  <mc:AlternateContent xmlns:mc="http://schemas.openxmlformats.org/markup-compatibility/2006">
-    <mc:Choice xmlns:p14="http://schemas.microsoft.com/office/powerpoint/2010/main" Requires="p14">
+  <mc:AlternateContent xmlns:mc="http://schemas.openxmlformats.org/markup-compatibility/2006" xmlns:p14="http://schemas.microsoft.com/office/powerpoint/2010/main">
+    <mc:Choice Requires="p14">
       <p:transition spd="med" p14:dur="700">
         <p:fade/>
       </p:transition>
     </mc:Choice>
-    <mc:Fallback>
+    <mc:Fallback xmlns="">
       <p:transition spd="med">
         <p:fade/>
       </p:transition>
     </mc:Fallback>
   </mc:AlternateContent>
+  <p:timing>
+    <p:tnLst>
+      <p:par>
+        <p:cTn id="1" dur="indefinite" restart="never" nodeType="tmRoot">
+          <p:childTnLst>
+            <p:seq concurrent="1" nextAc="seek">
+              <p:cTn id="2" dur="indefinite" nodeType="mainSeq">
+                <p:childTnLst>
+                  <p:par>
+                    <p:cTn id="3" fill="hold">
+                      <p:stCondLst>
+                        <p:cond delay="indefinite"/>
+                      </p:stCondLst>
+                      <p:childTnLst>
+                        <p:par>
+                          <p:cTn id="4" fill="hold">
+                            <p:stCondLst>
+                              <p:cond delay="0"/>
+                            </p:stCondLst>
+                            <p:childTnLst>
+                              <p:par>
+                                <p:cTn id="5" presetID="1" presetClass="entr" presetSubtype="0" fill="hold" grpId="0" nodeType="clickEffect">
+                                  <p:stCondLst>
+                                    <p:cond delay="0"/>
+                                  </p:stCondLst>
+                                  <p:childTnLst>
+                                    <p:set>
+                                      <p:cBhvr>
+                                        <p:cTn id="6" dur="1" fill="hold">
+                                          <p:stCondLst>
+                                            <p:cond delay="0"/>
+                                          </p:stCondLst>
+                                        </p:cTn>
+                                        <p:tgtEl>
+                                          <p:spTgt spid="4"/>
+                                        </p:tgtEl>
+                                        <p:attrNameLst>
+                                          <p:attrName>style.visibility</p:attrName>
+                                        </p:attrNameLst>
+                                      </p:cBhvr>
+                                      <p:to>
+                                        <p:strVal val="visible"/>
+                                      </p:to>
+                                    </p:set>
+                                  </p:childTnLst>
+                                </p:cTn>
+                              </p:par>
+                            </p:childTnLst>
+                          </p:cTn>
+                        </p:par>
+                      </p:childTnLst>
+                    </p:cTn>
+                  </p:par>
+                </p:childTnLst>
+              </p:cTn>
+              <p:prevCondLst>
+                <p:cond evt="onPrev" delay="0">
+                  <p:tgtEl>
+                    <p:sldTgt/>
+                  </p:tgtEl>
+                </p:cond>
+              </p:prevCondLst>
+              <p:nextCondLst>
+                <p:cond evt="onNext" delay="0">
+                  <p:tgtEl>
+                    <p:sldTgt/>
+                  </p:tgtEl>
+                </p:cond>
+              </p:nextCondLst>
+            </p:seq>
+          </p:childTnLst>
+        </p:cTn>
+      </p:par>
+    </p:tnLst>
+    <p:bldLst>
+      <p:bldP spid="4" grpId="0" animBg="1"/>
+    </p:bldLst>
+  </p:timing>
 </p:sld>
 </file>
 
@@ -3454,13 +3812,13 @@
   <p:clrMapOvr>
     <a:masterClrMapping/>
   </p:clrMapOvr>
-  <mc:AlternateContent xmlns:mc="http://schemas.openxmlformats.org/markup-compatibility/2006">
-    <mc:Choice xmlns:p14="http://schemas.microsoft.com/office/powerpoint/2010/main" Requires="p14">
+  <mc:AlternateContent xmlns:mc="http://schemas.openxmlformats.org/markup-compatibility/2006" xmlns:p14="http://schemas.microsoft.com/office/powerpoint/2010/main">
+    <mc:Choice Requires="p14">
       <p:transition spd="med" p14:dur="700">
         <p:fade/>
       </p:transition>
     </mc:Choice>
-    <mc:Fallback>
+    <mc:Fallback xmlns="">
       <p:transition spd="med">
         <p:fade/>
       </p:transition>
@@ -3516,6 +3874,53 @@
           </a:prstGeom>
         </p:spPr>
       </p:pic>
+      <p:sp>
+        <p:nvSpPr>
+          <p:cNvPr id="4" name="Rectangle 3">
+            <a:extLst>
+              <a:ext uri="{FF2B5EF4-FFF2-40B4-BE49-F238E27FC236}">
+                <a16:creationId xmlns:a16="http://schemas.microsoft.com/office/drawing/2014/main" id="{CAE96377-CBD6-FB4A-A707-65449AFB1CDA}"/>
+              </a:ext>
+            </a:extLst>
+          </p:cNvPr>
+          <p:cNvSpPr/>
+          <p:nvPr/>
+        </p:nvSpPr>
+        <p:spPr>
+          <a:xfrm>
+            <a:off x="4228187" y="3224352"/>
+            <a:ext cx="3276794" cy="254969"/>
+          </a:xfrm>
+          <a:prstGeom prst="rect">
+            <a:avLst/>
+          </a:prstGeom>
+          <a:noFill/>
+        </p:spPr>
+        <p:style>
+          <a:lnRef idx="2">
+            <a:schemeClr val="accent1">
+              <a:shade val="50000"/>
+            </a:schemeClr>
+          </a:lnRef>
+          <a:fillRef idx="1">
+            <a:schemeClr val="accent1"/>
+          </a:fillRef>
+          <a:effectRef idx="0">
+            <a:schemeClr val="accent1"/>
+          </a:effectRef>
+          <a:fontRef idx="minor">
+            <a:schemeClr val="lt1"/>
+          </a:fontRef>
+        </p:style>
+        <p:txBody>
+          <a:bodyPr rtlCol="0" anchor="ctr"/>
+          <a:lstStyle/>
+          <a:p>
+            <a:pPr algn="ctr"/>
+            <a:endParaRPr lang="en-US"/>
+          </a:p>
+        </p:txBody>
+      </p:sp>
     </p:spTree>
     <p:extLst>
       <p:ext uri="{BB962C8B-B14F-4D97-AF65-F5344CB8AC3E}">
@@ -3526,18 +3931,96 @@
   <p:clrMapOvr>
     <a:masterClrMapping/>
   </p:clrMapOvr>
-  <mc:AlternateContent xmlns:mc="http://schemas.openxmlformats.org/markup-compatibility/2006">
-    <mc:Choice xmlns:p14="http://schemas.microsoft.com/office/powerpoint/2010/main" Requires="p14">
+  <mc:AlternateContent xmlns:mc="http://schemas.openxmlformats.org/markup-compatibility/2006" xmlns:p14="http://schemas.microsoft.com/office/powerpoint/2010/main">
+    <mc:Choice Requires="p14">
       <p:transition spd="med" p14:dur="700">
         <p:fade/>
       </p:transition>
     </mc:Choice>
-    <mc:Fallback>
+    <mc:Fallback xmlns="">
       <p:transition spd="med">
         <p:fade/>
       </p:transition>
     </mc:Fallback>
   </mc:AlternateContent>
+  <p:timing>
+    <p:tnLst>
+      <p:par>
+        <p:cTn id="1" dur="indefinite" restart="never" nodeType="tmRoot">
+          <p:childTnLst>
+            <p:seq concurrent="1" nextAc="seek">
+              <p:cTn id="2" dur="indefinite" nodeType="mainSeq">
+                <p:childTnLst>
+                  <p:par>
+                    <p:cTn id="3" fill="hold">
+                      <p:stCondLst>
+                        <p:cond delay="indefinite"/>
+                      </p:stCondLst>
+                      <p:childTnLst>
+                        <p:par>
+                          <p:cTn id="4" fill="hold">
+                            <p:stCondLst>
+                              <p:cond delay="0"/>
+                            </p:stCondLst>
+                            <p:childTnLst>
+                              <p:par>
+                                <p:cTn id="5" presetID="1" presetClass="entr" presetSubtype="0" fill="hold" grpId="0" nodeType="clickEffect">
+                                  <p:stCondLst>
+                                    <p:cond delay="0"/>
+                                  </p:stCondLst>
+                                  <p:childTnLst>
+                                    <p:set>
+                                      <p:cBhvr>
+                                        <p:cTn id="6" dur="1" fill="hold">
+                                          <p:stCondLst>
+                                            <p:cond delay="0"/>
+                                          </p:stCondLst>
+                                        </p:cTn>
+                                        <p:tgtEl>
+                                          <p:spTgt spid="4"/>
+                                        </p:tgtEl>
+                                        <p:attrNameLst>
+                                          <p:attrName>style.visibility</p:attrName>
+                                        </p:attrNameLst>
+                                      </p:cBhvr>
+                                      <p:to>
+                                        <p:strVal val="visible"/>
+                                      </p:to>
+                                    </p:set>
+                                  </p:childTnLst>
+                                </p:cTn>
+                              </p:par>
+                            </p:childTnLst>
+                          </p:cTn>
+                        </p:par>
+                      </p:childTnLst>
+                    </p:cTn>
+                  </p:par>
+                </p:childTnLst>
+              </p:cTn>
+              <p:prevCondLst>
+                <p:cond evt="onPrev" delay="0">
+                  <p:tgtEl>
+                    <p:sldTgt/>
+                  </p:tgtEl>
+                </p:cond>
+              </p:prevCondLst>
+              <p:nextCondLst>
+                <p:cond evt="onNext" delay="0">
+                  <p:tgtEl>
+                    <p:sldTgt/>
+                  </p:tgtEl>
+                </p:cond>
+              </p:nextCondLst>
+            </p:seq>
+          </p:childTnLst>
+        </p:cTn>
+      </p:par>
+    </p:tnLst>
+    <p:bldLst>
+      <p:bldP spid="4" grpId="0" animBg="1"/>
+    </p:bldLst>
+  </p:timing>
 </p:sld>
 </file>
 
@@ -3598,13 +4081,13 @@
   <p:clrMapOvr>
     <a:masterClrMapping/>
   </p:clrMapOvr>
-  <mc:AlternateContent xmlns:mc="http://schemas.openxmlformats.org/markup-compatibility/2006">
-    <mc:Choice xmlns:p14="http://schemas.microsoft.com/office/powerpoint/2010/main" Requires="p14">
+  <mc:AlternateContent xmlns:mc="http://schemas.openxmlformats.org/markup-compatibility/2006" xmlns:p14="http://schemas.microsoft.com/office/powerpoint/2010/main">
+    <mc:Choice Requires="p14">
       <p:transition spd="med" p14:dur="700">
         <p:fade/>
       </p:transition>
     </mc:Choice>
-    <mc:Fallback>
+    <mc:Fallback xmlns="">
       <p:transition spd="med">
         <p:fade/>
       </p:transition>
@@ -3670,13 +4153,13 @@
   <p:clrMapOvr>
     <a:masterClrMapping/>
   </p:clrMapOvr>
-  <mc:AlternateContent xmlns:mc="http://schemas.openxmlformats.org/markup-compatibility/2006">
-    <mc:Choice xmlns:p14="http://schemas.microsoft.com/office/powerpoint/2010/main" Requires="p14">
+  <mc:AlternateContent xmlns:mc="http://schemas.openxmlformats.org/markup-compatibility/2006" xmlns:p14="http://schemas.microsoft.com/office/powerpoint/2010/main">
+    <mc:Choice Requires="p14">
       <p:transition spd="med" p14:dur="700">
         <p:fade/>
       </p:transition>
     </mc:Choice>
-    <mc:Fallback>
+    <mc:Fallback xmlns="">
       <p:transition spd="med">
         <p:fade/>
       </p:transition>
@@ -3732,6 +4215,53 @@
           </a:prstGeom>
         </p:spPr>
       </p:pic>
+      <p:sp>
+        <p:nvSpPr>
+          <p:cNvPr id="4" name="Rectangle 3">
+            <a:extLst>
+              <a:ext uri="{FF2B5EF4-FFF2-40B4-BE49-F238E27FC236}">
+                <a16:creationId xmlns:a16="http://schemas.microsoft.com/office/drawing/2014/main" id="{1E061EE6-F304-4D46-BB15-1C3EDD581DE9}"/>
+              </a:ext>
+            </a:extLst>
+          </p:cNvPr>
+          <p:cNvSpPr/>
+          <p:nvPr/>
+        </p:nvSpPr>
+        <p:spPr>
+          <a:xfrm>
+            <a:off x="4216685" y="4305529"/>
+            <a:ext cx="2385398" cy="254969"/>
+          </a:xfrm>
+          <a:prstGeom prst="rect">
+            <a:avLst/>
+          </a:prstGeom>
+          <a:noFill/>
+        </p:spPr>
+        <p:style>
+          <a:lnRef idx="2">
+            <a:schemeClr val="accent1">
+              <a:shade val="50000"/>
+            </a:schemeClr>
+          </a:lnRef>
+          <a:fillRef idx="1">
+            <a:schemeClr val="accent1"/>
+          </a:fillRef>
+          <a:effectRef idx="0">
+            <a:schemeClr val="accent1"/>
+          </a:effectRef>
+          <a:fontRef idx="minor">
+            <a:schemeClr val="lt1"/>
+          </a:fontRef>
+        </p:style>
+        <p:txBody>
+          <a:bodyPr rtlCol="0" anchor="ctr"/>
+          <a:lstStyle/>
+          <a:p>
+            <a:pPr algn="ctr"/>
+            <a:endParaRPr lang="en-US"/>
+          </a:p>
+        </p:txBody>
+      </p:sp>
     </p:spTree>
     <p:extLst>
       <p:ext uri="{BB962C8B-B14F-4D97-AF65-F5344CB8AC3E}">
@@ -3742,18 +4272,96 @@
   <p:clrMapOvr>
     <a:masterClrMapping/>
   </p:clrMapOvr>
-  <mc:AlternateContent xmlns:mc="http://schemas.openxmlformats.org/markup-compatibility/2006">
-    <mc:Choice xmlns:p14="http://schemas.microsoft.com/office/powerpoint/2010/main" Requires="p14">
+  <mc:AlternateContent xmlns:mc="http://schemas.openxmlformats.org/markup-compatibility/2006" xmlns:p14="http://schemas.microsoft.com/office/powerpoint/2010/main">
+    <mc:Choice Requires="p14">
       <p:transition spd="med" p14:dur="700">
         <p:fade/>
       </p:transition>
     </mc:Choice>
-    <mc:Fallback>
+    <mc:Fallback xmlns="">
       <p:transition spd="med">
         <p:fade/>
       </p:transition>
     </mc:Fallback>
   </mc:AlternateContent>
+  <p:timing>
+    <p:tnLst>
+      <p:par>
+        <p:cTn id="1" dur="indefinite" restart="never" nodeType="tmRoot">
+          <p:childTnLst>
+            <p:seq concurrent="1" nextAc="seek">
+              <p:cTn id="2" dur="indefinite" nodeType="mainSeq">
+                <p:childTnLst>
+                  <p:par>
+                    <p:cTn id="3" fill="hold">
+                      <p:stCondLst>
+                        <p:cond delay="indefinite"/>
+                      </p:stCondLst>
+                      <p:childTnLst>
+                        <p:par>
+                          <p:cTn id="4" fill="hold">
+                            <p:stCondLst>
+                              <p:cond delay="0"/>
+                            </p:stCondLst>
+                            <p:childTnLst>
+                              <p:par>
+                                <p:cTn id="5" presetID="1" presetClass="entr" presetSubtype="0" fill="hold" grpId="0" nodeType="clickEffect">
+                                  <p:stCondLst>
+                                    <p:cond delay="0"/>
+                                  </p:stCondLst>
+                                  <p:childTnLst>
+                                    <p:set>
+                                      <p:cBhvr>
+                                        <p:cTn id="6" dur="1" fill="hold">
+                                          <p:stCondLst>
+                                            <p:cond delay="0"/>
+                                          </p:stCondLst>
+                                        </p:cTn>
+                                        <p:tgtEl>
+                                          <p:spTgt spid="4"/>
+                                        </p:tgtEl>
+                                        <p:attrNameLst>
+                                          <p:attrName>style.visibility</p:attrName>
+                                        </p:attrNameLst>
+                                      </p:cBhvr>
+                                      <p:to>
+                                        <p:strVal val="visible"/>
+                                      </p:to>
+                                    </p:set>
+                                  </p:childTnLst>
+                                </p:cTn>
+                              </p:par>
+                            </p:childTnLst>
+                          </p:cTn>
+                        </p:par>
+                      </p:childTnLst>
+                    </p:cTn>
+                  </p:par>
+                </p:childTnLst>
+              </p:cTn>
+              <p:prevCondLst>
+                <p:cond evt="onPrev" delay="0">
+                  <p:tgtEl>
+                    <p:sldTgt/>
+                  </p:tgtEl>
+                </p:cond>
+              </p:prevCondLst>
+              <p:nextCondLst>
+                <p:cond evt="onNext" delay="0">
+                  <p:tgtEl>
+                    <p:sldTgt/>
+                  </p:tgtEl>
+                </p:cond>
+              </p:nextCondLst>
+            </p:seq>
+          </p:childTnLst>
+        </p:cTn>
+      </p:par>
+    </p:tnLst>
+    <p:bldLst>
+      <p:bldP spid="4" grpId="0" animBg="1"/>
+    </p:bldLst>
+  </p:timing>
 </p:sld>
 </file>
 
@@ -3814,13 +4422,13 @@
   <p:clrMapOvr>
     <a:masterClrMapping/>
   </p:clrMapOvr>
-  <mc:AlternateContent xmlns:mc="http://schemas.openxmlformats.org/markup-compatibility/2006">
-    <mc:Choice xmlns:p14="http://schemas.microsoft.com/office/powerpoint/2010/main" Requires="p14">
+  <mc:AlternateContent xmlns:mc="http://schemas.openxmlformats.org/markup-compatibility/2006" xmlns:p14="http://schemas.microsoft.com/office/powerpoint/2010/main">
+    <mc:Choice Requires="p14">
       <p:transition spd="med" p14:dur="700">
         <p:fade/>
       </p:transition>
     </mc:Choice>
-    <mc:Fallback>
+    <mc:Fallback xmlns="">
       <p:transition spd="med">
         <p:fade/>
       </p:transition>
@@ -3886,13 +4494,13 @@
   <p:clrMapOvr>
     <a:masterClrMapping/>
   </p:clrMapOvr>
-  <mc:AlternateContent xmlns:mc="http://schemas.openxmlformats.org/markup-compatibility/2006">
-    <mc:Choice xmlns:p14="http://schemas.microsoft.com/office/powerpoint/2010/main" Requires="p14">
+  <mc:AlternateContent xmlns:mc="http://schemas.openxmlformats.org/markup-compatibility/2006" xmlns:p14="http://schemas.microsoft.com/office/powerpoint/2010/main">
+    <mc:Choice Requires="p14">
       <p:transition spd="med" p14:dur="700">
         <p:fade/>
       </p:transition>
     </mc:Choice>
-    <mc:Fallback>
+    <mc:Fallback xmlns="">
       <p:transition spd="med">
         <p:fade/>
       </p:transition>
@@ -3958,13 +4566,13 @@
   <p:clrMapOvr>
     <a:masterClrMapping/>
   </p:clrMapOvr>
-  <mc:AlternateContent xmlns:mc="http://schemas.openxmlformats.org/markup-compatibility/2006">
-    <mc:Choice xmlns:p14="http://schemas.microsoft.com/office/powerpoint/2010/main" Requires="p14">
+  <mc:AlternateContent xmlns:mc="http://schemas.openxmlformats.org/markup-compatibility/2006" xmlns:p14="http://schemas.microsoft.com/office/powerpoint/2010/main">
+    <mc:Choice Requires="p14">
       <p:transition spd="med" p14:dur="700">
         <p:fade/>
       </p:transition>
     </mc:Choice>
-    <mc:Fallback>
+    <mc:Fallback xmlns="">
       <p:transition spd="med">
         <p:fade/>
       </p:transition>
@@ -4030,13 +4638,13 @@
   <p:clrMapOvr>
     <a:masterClrMapping/>
   </p:clrMapOvr>
-  <mc:AlternateContent xmlns:mc="http://schemas.openxmlformats.org/markup-compatibility/2006">
-    <mc:Choice xmlns:p14="http://schemas.microsoft.com/office/powerpoint/2010/main" Requires="p14">
+  <mc:AlternateContent xmlns:mc="http://schemas.openxmlformats.org/markup-compatibility/2006" xmlns:p14="http://schemas.microsoft.com/office/powerpoint/2010/main">
+    <mc:Choice Requires="p14">
       <p:transition spd="med" p14:dur="700">
         <p:fade/>
       </p:transition>
     </mc:Choice>
-    <mc:Fallback>
+    <mc:Fallback xmlns="">
       <p:transition spd="med">
         <p:fade/>
       </p:transition>
@@ -4102,13 +4710,13 @@
   <p:clrMapOvr>
     <a:masterClrMapping/>
   </p:clrMapOvr>
-  <mc:AlternateContent xmlns:mc="http://schemas.openxmlformats.org/markup-compatibility/2006">
-    <mc:Choice xmlns:p14="http://schemas.microsoft.com/office/powerpoint/2010/main" Requires="p14">
+  <mc:AlternateContent xmlns:mc="http://schemas.openxmlformats.org/markup-compatibility/2006" xmlns:p14="http://schemas.microsoft.com/office/powerpoint/2010/main">
+    <mc:Choice Requires="p14">
       <p:transition spd="med" p14:dur="700">
         <p:fade/>
       </p:transition>
     </mc:Choice>
-    <mc:Fallback>
+    <mc:Fallback xmlns="">
       <p:transition spd="med">
         <p:fade/>
       </p:transition>
@@ -4174,13 +4782,13 @@
   <p:clrMapOvr>
     <a:masterClrMapping/>
   </p:clrMapOvr>
-  <mc:AlternateContent xmlns:mc="http://schemas.openxmlformats.org/markup-compatibility/2006">
-    <mc:Choice xmlns:p14="http://schemas.microsoft.com/office/powerpoint/2010/main" Requires="p14">
+  <mc:AlternateContent xmlns:mc="http://schemas.openxmlformats.org/markup-compatibility/2006" xmlns:p14="http://schemas.microsoft.com/office/powerpoint/2010/main">
+    <mc:Choice Requires="p14">
       <p:transition spd="med" p14:dur="700">
         <p:fade/>
       </p:transition>
     </mc:Choice>
-    <mc:Fallback>
+    <mc:Fallback xmlns="">
       <p:transition spd="med">
         <p:fade/>
       </p:transition>
@@ -4236,6 +4844,53 @@
           </a:prstGeom>
         </p:spPr>
       </p:pic>
+      <p:sp>
+        <p:nvSpPr>
+          <p:cNvPr id="3" name="Rectangle 2">
+            <a:extLst>
+              <a:ext uri="{FF2B5EF4-FFF2-40B4-BE49-F238E27FC236}">
+                <a16:creationId xmlns:a16="http://schemas.microsoft.com/office/drawing/2014/main" id="{D4429ECE-4C56-C441-B591-9926E001976F}"/>
+              </a:ext>
+            </a:extLst>
+          </p:cNvPr>
+          <p:cNvSpPr/>
+          <p:nvPr/>
+        </p:nvSpPr>
+        <p:spPr>
+          <a:xfrm>
+            <a:off x="4233938" y="2217937"/>
+            <a:ext cx="1522756" cy="254969"/>
+          </a:xfrm>
+          <a:prstGeom prst="rect">
+            <a:avLst/>
+          </a:prstGeom>
+          <a:noFill/>
+        </p:spPr>
+        <p:style>
+          <a:lnRef idx="2">
+            <a:schemeClr val="accent1">
+              <a:shade val="50000"/>
+            </a:schemeClr>
+          </a:lnRef>
+          <a:fillRef idx="1">
+            <a:schemeClr val="accent1"/>
+          </a:fillRef>
+          <a:effectRef idx="0">
+            <a:schemeClr val="accent1"/>
+          </a:effectRef>
+          <a:fontRef idx="minor">
+            <a:schemeClr val="lt1"/>
+          </a:fontRef>
+        </p:style>
+        <p:txBody>
+          <a:bodyPr rtlCol="0" anchor="ctr"/>
+          <a:lstStyle/>
+          <a:p>
+            <a:pPr algn="ctr"/>
+            <a:endParaRPr lang="en-US"/>
+          </a:p>
+        </p:txBody>
+      </p:sp>
     </p:spTree>
     <p:extLst>
       <p:ext uri="{BB962C8B-B14F-4D97-AF65-F5344CB8AC3E}">
@@ -4246,18 +4901,96 @@
   <p:clrMapOvr>
     <a:masterClrMapping/>
   </p:clrMapOvr>
-  <mc:AlternateContent xmlns:mc="http://schemas.openxmlformats.org/markup-compatibility/2006">
-    <mc:Choice xmlns:p14="http://schemas.microsoft.com/office/powerpoint/2010/main" Requires="p14">
+  <mc:AlternateContent xmlns:mc="http://schemas.openxmlformats.org/markup-compatibility/2006" xmlns:p14="http://schemas.microsoft.com/office/powerpoint/2010/main">
+    <mc:Choice Requires="p14">
       <p:transition spd="med" p14:dur="700">
         <p:fade/>
       </p:transition>
     </mc:Choice>
-    <mc:Fallback>
+    <mc:Fallback xmlns="">
       <p:transition spd="med">
         <p:fade/>
       </p:transition>
     </mc:Fallback>
   </mc:AlternateContent>
+  <p:timing>
+    <p:tnLst>
+      <p:par>
+        <p:cTn id="1" dur="indefinite" restart="never" nodeType="tmRoot">
+          <p:childTnLst>
+            <p:seq concurrent="1" nextAc="seek">
+              <p:cTn id="2" dur="indefinite" nodeType="mainSeq">
+                <p:childTnLst>
+                  <p:par>
+                    <p:cTn id="3" fill="hold">
+                      <p:stCondLst>
+                        <p:cond delay="indefinite"/>
+                      </p:stCondLst>
+                      <p:childTnLst>
+                        <p:par>
+                          <p:cTn id="4" fill="hold">
+                            <p:stCondLst>
+                              <p:cond delay="0"/>
+                            </p:stCondLst>
+                            <p:childTnLst>
+                              <p:par>
+                                <p:cTn id="5" presetID="1" presetClass="entr" presetSubtype="0" fill="hold" grpId="0" nodeType="clickEffect">
+                                  <p:stCondLst>
+                                    <p:cond delay="0"/>
+                                  </p:stCondLst>
+                                  <p:childTnLst>
+                                    <p:set>
+                                      <p:cBhvr>
+                                        <p:cTn id="6" dur="1" fill="hold">
+                                          <p:stCondLst>
+                                            <p:cond delay="0"/>
+                                          </p:stCondLst>
+                                        </p:cTn>
+                                        <p:tgtEl>
+                                          <p:spTgt spid="3"/>
+                                        </p:tgtEl>
+                                        <p:attrNameLst>
+                                          <p:attrName>style.visibility</p:attrName>
+                                        </p:attrNameLst>
+                                      </p:cBhvr>
+                                      <p:to>
+                                        <p:strVal val="visible"/>
+                                      </p:to>
+                                    </p:set>
+                                  </p:childTnLst>
+                                </p:cTn>
+                              </p:par>
+                            </p:childTnLst>
+                          </p:cTn>
+                        </p:par>
+                      </p:childTnLst>
+                    </p:cTn>
+                  </p:par>
+                </p:childTnLst>
+              </p:cTn>
+              <p:prevCondLst>
+                <p:cond evt="onPrev" delay="0">
+                  <p:tgtEl>
+                    <p:sldTgt/>
+                  </p:tgtEl>
+                </p:cond>
+              </p:prevCondLst>
+              <p:nextCondLst>
+                <p:cond evt="onNext" delay="0">
+                  <p:tgtEl>
+                    <p:sldTgt/>
+                  </p:tgtEl>
+                </p:cond>
+              </p:nextCondLst>
+            </p:seq>
+          </p:childTnLst>
+        </p:cTn>
+      </p:par>
+    </p:tnLst>
+    <p:bldLst>
+      <p:bldP spid="3" grpId="0" animBg="1"/>
+    </p:bldLst>
+  </p:timing>
 </p:sld>
 </file>
 
@@ -4318,13 +5051,13 @@
   <p:clrMapOvr>
     <a:masterClrMapping/>
   </p:clrMapOvr>
-  <mc:AlternateContent xmlns:mc="http://schemas.openxmlformats.org/markup-compatibility/2006">
-    <mc:Choice xmlns:p14="http://schemas.microsoft.com/office/powerpoint/2010/main" Requires="p14">
+  <mc:AlternateContent xmlns:mc="http://schemas.openxmlformats.org/markup-compatibility/2006" xmlns:p14="http://schemas.microsoft.com/office/powerpoint/2010/main">
+    <mc:Choice Requires="p14">
       <p:transition spd="med" p14:dur="700">
         <p:fade/>
       </p:transition>
     </mc:Choice>
-    <mc:Fallback>
+    <mc:Fallback xmlns="">
       <p:transition spd="med">
         <p:fade/>
       </p:transition>
@@ -4390,13 +5123,13 @@
   <p:clrMapOvr>
     <a:masterClrMapping/>
   </p:clrMapOvr>
-  <mc:AlternateContent xmlns:mc="http://schemas.openxmlformats.org/markup-compatibility/2006">
-    <mc:Choice xmlns:p14="http://schemas.microsoft.com/office/powerpoint/2010/main" Requires="p14">
+  <mc:AlternateContent xmlns:mc="http://schemas.openxmlformats.org/markup-compatibility/2006" xmlns:p14="http://schemas.microsoft.com/office/powerpoint/2010/main">
+    <mc:Choice Requires="p14">
       <p:transition spd="med" p14:dur="700">
         <p:fade/>
       </p:transition>
     </mc:Choice>
-    <mc:Fallback>
+    <mc:Fallback xmlns="">
       <p:transition spd="med">
         <p:fade/>
       </p:transition>
@@ -4452,6 +5185,53 @@
           </a:prstGeom>
         </p:spPr>
       </p:pic>
+      <p:sp>
+        <p:nvSpPr>
+          <p:cNvPr id="5" name="Rectangle 4">
+            <a:extLst>
+              <a:ext uri="{FF2B5EF4-FFF2-40B4-BE49-F238E27FC236}">
+                <a16:creationId xmlns:a16="http://schemas.microsoft.com/office/drawing/2014/main" id="{3605F03C-1EA9-5646-9FC7-9BAE18FE0176}"/>
+              </a:ext>
+            </a:extLst>
+          </p:cNvPr>
+          <p:cNvSpPr/>
+          <p:nvPr/>
+        </p:nvSpPr>
+        <p:spPr>
+          <a:xfrm>
+            <a:off x="4222436" y="2879295"/>
+            <a:ext cx="1655027" cy="254969"/>
+          </a:xfrm>
+          <a:prstGeom prst="rect">
+            <a:avLst/>
+          </a:prstGeom>
+          <a:noFill/>
+        </p:spPr>
+        <p:style>
+          <a:lnRef idx="2">
+            <a:schemeClr val="accent1">
+              <a:shade val="50000"/>
+            </a:schemeClr>
+          </a:lnRef>
+          <a:fillRef idx="1">
+            <a:schemeClr val="accent1"/>
+          </a:fillRef>
+          <a:effectRef idx="0">
+            <a:schemeClr val="accent1"/>
+          </a:effectRef>
+          <a:fontRef idx="minor">
+            <a:schemeClr val="lt1"/>
+          </a:fontRef>
+        </p:style>
+        <p:txBody>
+          <a:bodyPr rtlCol="0" anchor="ctr"/>
+          <a:lstStyle/>
+          <a:p>
+            <a:pPr algn="ctr"/>
+            <a:endParaRPr lang="en-US"/>
+          </a:p>
+        </p:txBody>
+      </p:sp>
     </p:spTree>
     <p:extLst>
       <p:ext uri="{BB962C8B-B14F-4D97-AF65-F5344CB8AC3E}">
@@ -4462,18 +5242,96 @@
   <p:clrMapOvr>
     <a:masterClrMapping/>
   </p:clrMapOvr>
-  <mc:AlternateContent xmlns:mc="http://schemas.openxmlformats.org/markup-compatibility/2006">
-    <mc:Choice xmlns:p14="http://schemas.microsoft.com/office/powerpoint/2010/main" Requires="p14">
+  <mc:AlternateContent xmlns:mc="http://schemas.openxmlformats.org/markup-compatibility/2006" xmlns:p14="http://schemas.microsoft.com/office/powerpoint/2010/main">
+    <mc:Choice Requires="p14">
       <p:transition spd="med" p14:dur="700">
         <p:fade/>
       </p:transition>
     </mc:Choice>
-    <mc:Fallback>
+    <mc:Fallback xmlns="">
       <p:transition spd="med">
         <p:fade/>
       </p:transition>
     </mc:Fallback>
   </mc:AlternateContent>
+  <p:timing>
+    <p:tnLst>
+      <p:par>
+        <p:cTn id="1" dur="indefinite" restart="never" nodeType="tmRoot">
+          <p:childTnLst>
+            <p:seq concurrent="1" nextAc="seek">
+              <p:cTn id="2" dur="indefinite" nodeType="mainSeq">
+                <p:childTnLst>
+                  <p:par>
+                    <p:cTn id="3" fill="hold">
+                      <p:stCondLst>
+                        <p:cond delay="indefinite"/>
+                      </p:stCondLst>
+                      <p:childTnLst>
+                        <p:par>
+                          <p:cTn id="4" fill="hold">
+                            <p:stCondLst>
+                              <p:cond delay="0"/>
+                            </p:stCondLst>
+                            <p:childTnLst>
+                              <p:par>
+                                <p:cTn id="5" presetID="1" presetClass="entr" presetSubtype="0" fill="hold" grpId="0" nodeType="clickEffect">
+                                  <p:stCondLst>
+                                    <p:cond delay="0"/>
+                                  </p:stCondLst>
+                                  <p:childTnLst>
+                                    <p:set>
+                                      <p:cBhvr>
+                                        <p:cTn id="6" dur="1" fill="hold">
+                                          <p:stCondLst>
+                                            <p:cond delay="0"/>
+                                          </p:stCondLst>
+                                        </p:cTn>
+                                        <p:tgtEl>
+                                          <p:spTgt spid="5"/>
+                                        </p:tgtEl>
+                                        <p:attrNameLst>
+                                          <p:attrName>style.visibility</p:attrName>
+                                        </p:attrNameLst>
+                                      </p:cBhvr>
+                                      <p:to>
+                                        <p:strVal val="visible"/>
+                                      </p:to>
+                                    </p:set>
+                                  </p:childTnLst>
+                                </p:cTn>
+                              </p:par>
+                            </p:childTnLst>
+                          </p:cTn>
+                        </p:par>
+                      </p:childTnLst>
+                    </p:cTn>
+                  </p:par>
+                </p:childTnLst>
+              </p:cTn>
+              <p:prevCondLst>
+                <p:cond evt="onPrev" delay="0">
+                  <p:tgtEl>
+                    <p:sldTgt/>
+                  </p:tgtEl>
+                </p:cond>
+              </p:prevCondLst>
+              <p:nextCondLst>
+                <p:cond evt="onNext" delay="0">
+                  <p:tgtEl>
+                    <p:sldTgt/>
+                  </p:tgtEl>
+                </p:cond>
+              </p:nextCondLst>
+            </p:seq>
+          </p:childTnLst>
+        </p:cTn>
+      </p:par>
+    </p:tnLst>
+    <p:bldLst>
+      <p:bldP spid="5" grpId="0" animBg="1"/>
+    </p:bldLst>
+  </p:timing>
 </p:sld>
 </file>
 
